--- a/04 - Cr MagOpt/Picture/SimulMagOptv2.pptx
+++ b/04 - Cr MagOpt/Picture/SimulMagOptv2.pptx
@@ -7,7 +7,7 @@
   <p:sldIdLst>
     <p:sldId id="256" r:id="rId3"/>
   </p:sldIdLst>
-  <p:sldSz cx="7327900" cy="8915400"/>
+  <p:sldSz cx="7480300" cy="9144000"/>
   <p:notesSz cx="7559675" cy="10691812"/>
 </p:presentation>
 </file>
@@ -63,8 +63,8 @@
         </p:nvSpPr>
         <p:spPr>
           <a:xfrm>
-            <a:off x="549720" y="2769480"/>
-            <a:ext cx="6228000" cy="1910880"/>
+            <a:off x="560520" y="2838960"/>
+            <a:ext cx="6356880" cy="1960200"/>
           </a:xfrm>
           <a:prstGeom prst="rect">
             <a:avLst/>
@@ -90,8 +90,8 @@
         </p:nvSpPr>
         <p:spPr>
           <a:xfrm>
-            <a:off x="366120" y="2086200"/>
-            <a:ext cx="6594480" cy="2466000"/>
+            <a:off x="372960" y="2138400"/>
+            <a:ext cx="6730560" cy="2529000"/>
           </a:xfrm>
           <a:prstGeom prst="rect">
             <a:avLst/>
@@ -116,8 +116,8 @@
         </p:nvSpPr>
         <p:spPr>
           <a:xfrm>
-            <a:off x="366120" y="4786920"/>
-            <a:ext cx="6594480" cy="2466000"/>
+            <a:off x="372960" y="4907880"/>
+            <a:ext cx="6730560" cy="2529000"/>
           </a:xfrm>
           <a:prstGeom prst="rect">
             <a:avLst/>
@@ -164,8 +164,8 @@
         </p:nvSpPr>
         <p:spPr>
           <a:xfrm>
-            <a:off x="549720" y="2769480"/>
-            <a:ext cx="6228000" cy="1910880"/>
+            <a:off x="560520" y="2838960"/>
+            <a:ext cx="6356880" cy="1960200"/>
           </a:xfrm>
           <a:prstGeom prst="rect">
             <a:avLst/>
@@ -191,8 +191,8 @@
         </p:nvSpPr>
         <p:spPr>
           <a:xfrm>
-            <a:off x="366120" y="2086200"/>
-            <a:ext cx="3218040" cy="2466000"/>
+            <a:off x="372960" y="2138400"/>
+            <a:ext cx="3284280" cy="2529000"/>
           </a:xfrm>
           <a:prstGeom prst="rect">
             <a:avLst/>
@@ -217,8 +217,8 @@
         </p:nvSpPr>
         <p:spPr>
           <a:xfrm>
-            <a:off x="3745440" y="2086200"/>
-            <a:ext cx="3218040" cy="2466000"/>
+            <a:off x="3821760" y="2138400"/>
+            <a:ext cx="3284280" cy="2529000"/>
           </a:xfrm>
           <a:prstGeom prst="rect">
             <a:avLst/>
@@ -243,8 +243,8 @@
         </p:nvSpPr>
         <p:spPr>
           <a:xfrm>
-            <a:off x="3745440" y="4786920"/>
-            <a:ext cx="3218040" cy="2466000"/>
+            <a:off x="3821760" y="4907880"/>
+            <a:ext cx="3284280" cy="2529000"/>
           </a:xfrm>
           <a:prstGeom prst="rect">
             <a:avLst/>
@@ -269,8 +269,8 @@
         </p:nvSpPr>
         <p:spPr>
           <a:xfrm>
-            <a:off x="366120" y="4786920"/>
-            <a:ext cx="3218040" cy="2466000"/>
+            <a:off x="372960" y="4907880"/>
+            <a:ext cx="3284280" cy="2529000"/>
           </a:xfrm>
           <a:prstGeom prst="rect">
             <a:avLst/>
@@ -317,8 +317,8 @@
         </p:nvSpPr>
         <p:spPr>
           <a:xfrm>
-            <a:off x="549720" y="2769480"/>
-            <a:ext cx="6228000" cy="1910880"/>
+            <a:off x="560520" y="2838960"/>
+            <a:ext cx="6356880" cy="1960200"/>
           </a:xfrm>
           <a:prstGeom prst="rect">
             <a:avLst/>
@@ -344,8 +344,8 @@
         </p:nvSpPr>
         <p:spPr>
           <a:xfrm>
-            <a:off x="366120" y="2086200"/>
-            <a:ext cx="6594480" cy="5170320"/>
+            <a:off x="372960" y="2138400"/>
+            <a:ext cx="6730560" cy="5302440"/>
           </a:xfrm>
           <a:prstGeom prst="rect">
             <a:avLst/>
@@ -370,8 +370,8 @@
         </p:nvSpPr>
         <p:spPr>
           <a:xfrm>
-            <a:off x="366120" y="2086200"/>
-            <a:ext cx="6594480" cy="5170320"/>
+            <a:off x="372960" y="2138400"/>
+            <a:ext cx="6730560" cy="5302440"/>
           </a:xfrm>
           <a:prstGeom prst="rect">
             <a:avLst/>
@@ -398,8 +398,8 @@
         </p:blipFill>
         <p:spPr>
           <a:xfrm>
-            <a:off x="423360" y="2086200"/>
-            <a:ext cx="6480000" cy="5170320"/>
+            <a:off x="415440" y="2138040"/>
+            <a:ext cx="6645600" cy="5302440"/>
           </a:xfrm>
           <a:prstGeom prst="rect">
             <a:avLst/>
@@ -423,8 +423,8 @@
         </p:blipFill>
         <p:spPr>
           <a:xfrm>
-            <a:off x="423360" y="2086200"/>
-            <a:ext cx="6480000" cy="5170320"/>
+            <a:off x="415440" y="2138040"/>
+            <a:ext cx="6645600" cy="5302440"/>
           </a:xfrm>
           <a:prstGeom prst="rect">
             <a:avLst/>
@@ -468,8 +468,8 @@
         </p:nvSpPr>
         <p:spPr>
           <a:xfrm>
-            <a:off x="549720" y="2769480"/>
-            <a:ext cx="6228000" cy="1910880"/>
+            <a:off x="560520" y="2838960"/>
+            <a:ext cx="6356880" cy="1960200"/>
           </a:xfrm>
           <a:prstGeom prst="rect">
             <a:avLst/>
@@ -495,8 +495,8 @@
         </p:nvSpPr>
         <p:spPr>
           <a:xfrm>
-            <a:off x="366120" y="2086200"/>
-            <a:ext cx="6594480" cy="5170680"/>
+            <a:off x="372960" y="2138400"/>
+            <a:ext cx="6730560" cy="5302800"/>
           </a:xfrm>
           <a:prstGeom prst="rect">
             <a:avLst/>
@@ -544,8 +544,8 @@
         </p:nvSpPr>
         <p:spPr>
           <a:xfrm>
-            <a:off x="549720" y="2769480"/>
-            <a:ext cx="6228000" cy="1910880"/>
+            <a:off x="560520" y="2838960"/>
+            <a:ext cx="6356880" cy="1960200"/>
           </a:xfrm>
           <a:prstGeom prst="rect">
             <a:avLst/>
@@ -571,8 +571,8 @@
         </p:nvSpPr>
         <p:spPr>
           <a:xfrm>
-            <a:off x="366120" y="2086200"/>
-            <a:ext cx="6594480" cy="5170320"/>
+            <a:off x="372960" y="2138400"/>
+            <a:ext cx="6730560" cy="5302440"/>
           </a:xfrm>
           <a:prstGeom prst="rect">
             <a:avLst/>
@@ -619,8 +619,8 @@
         </p:nvSpPr>
         <p:spPr>
           <a:xfrm>
-            <a:off x="549720" y="2769480"/>
-            <a:ext cx="6228000" cy="1910880"/>
+            <a:off x="560520" y="2838960"/>
+            <a:ext cx="6356880" cy="1960200"/>
           </a:xfrm>
           <a:prstGeom prst="rect">
             <a:avLst/>
@@ -646,8 +646,8 @@
         </p:nvSpPr>
         <p:spPr>
           <a:xfrm>
-            <a:off x="366120" y="2086200"/>
-            <a:ext cx="3218040" cy="5170320"/>
+            <a:off x="372960" y="2138400"/>
+            <a:ext cx="3284280" cy="5302440"/>
           </a:xfrm>
           <a:prstGeom prst="rect">
             <a:avLst/>
@@ -672,8 +672,8 @@
         </p:nvSpPr>
         <p:spPr>
           <a:xfrm>
-            <a:off x="3745440" y="2086200"/>
-            <a:ext cx="3218040" cy="5170320"/>
+            <a:off x="3821760" y="2138400"/>
+            <a:ext cx="3284280" cy="5302440"/>
           </a:xfrm>
           <a:prstGeom prst="rect">
             <a:avLst/>
@@ -720,8 +720,8 @@
         </p:nvSpPr>
         <p:spPr>
           <a:xfrm>
-            <a:off x="549720" y="2769480"/>
-            <a:ext cx="6228000" cy="1910880"/>
+            <a:off x="560520" y="2838960"/>
+            <a:ext cx="6356880" cy="1960200"/>
           </a:xfrm>
           <a:prstGeom prst="rect">
             <a:avLst/>
@@ -769,8 +769,8 @@
         </p:nvSpPr>
         <p:spPr>
           <a:xfrm>
-            <a:off x="549720" y="2769480"/>
-            <a:ext cx="6228000" cy="8857800"/>
+            <a:off x="560520" y="2838960"/>
+            <a:ext cx="6356880" cy="9086400"/>
           </a:xfrm>
           <a:prstGeom prst="rect">
             <a:avLst/>
@@ -818,8 +818,8 @@
         </p:nvSpPr>
         <p:spPr>
           <a:xfrm>
-            <a:off x="549720" y="2769480"/>
-            <a:ext cx="6228000" cy="1910880"/>
+            <a:off x="560520" y="2838960"/>
+            <a:ext cx="6356880" cy="1960200"/>
           </a:xfrm>
           <a:prstGeom prst="rect">
             <a:avLst/>
@@ -845,8 +845,8 @@
         </p:nvSpPr>
         <p:spPr>
           <a:xfrm>
-            <a:off x="366120" y="2086200"/>
-            <a:ext cx="3218040" cy="2466000"/>
+            <a:off x="372960" y="2138400"/>
+            <a:ext cx="3284280" cy="2529000"/>
           </a:xfrm>
           <a:prstGeom prst="rect">
             <a:avLst/>
@@ -871,8 +871,8 @@
         </p:nvSpPr>
         <p:spPr>
           <a:xfrm>
-            <a:off x="366120" y="4786920"/>
-            <a:ext cx="3218040" cy="2466000"/>
+            <a:off x="372960" y="4907880"/>
+            <a:ext cx="3284280" cy="2529000"/>
           </a:xfrm>
           <a:prstGeom prst="rect">
             <a:avLst/>
@@ -897,8 +897,8 @@
         </p:nvSpPr>
         <p:spPr>
           <a:xfrm>
-            <a:off x="3745440" y="2086200"/>
-            <a:ext cx="3218040" cy="5170320"/>
+            <a:off x="3821760" y="2138400"/>
+            <a:ext cx="3284280" cy="5302440"/>
           </a:xfrm>
           <a:prstGeom prst="rect">
             <a:avLst/>
@@ -945,8 +945,8 @@
         </p:nvSpPr>
         <p:spPr>
           <a:xfrm>
-            <a:off x="549720" y="2769480"/>
-            <a:ext cx="6228000" cy="1910880"/>
+            <a:off x="560520" y="2838960"/>
+            <a:ext cx="6356880" cy="1960200"/>
           </a:xfrm>
           <a:prstGeom prst="rect">
             <a:avLst/>
@@ -972,8 +972,8 @@
         </p:nvSpPr>
         <p:spPr>
           <a:xfrm>
-            <a:off x="366120" y="2086200"/>
-            <a:ext cx="3218040" cy="5170320"/>
+            <a:off x="372960" y="2138400"/>
+            <a:ext cx="3284280" cy="5302440"/>
           </a:xfrm>
           <a:prstGeom prst="rect">
             <a:avLst/>
@@ -998,8 +998,8 @@
         </p:nvSpPr>
         <p:spPr>
           <a:xfrm>
-            <a:off x="3745440" y="2086200"/>
-            <a:ext cx="3218040" cy="2466000"/>
+            <a:off x="3821760" y="2138400"/>
+            <a:ext cx="3284280" cy="2529000"/>
           </a:xfrm>
           <a:prstGeom prst="rect">
             <a:avLst/>
@@ -1024,8 +1024,8 @@
         </p:nvSpPr>
         <p:spPr>
           <a:xfrm>
-            <a:off x="3745440" y="4786920"/>
-            <a:ext cx="3218040" cy="2466000"/>
+            <a:off x="3821760" y="4907880"/>
+            <a:ext cx="3284280" cy="2529000"/>
           </a:xfrm>
           <a:prstGeom prst="rect">
             <a:avLst/>
@@ -1072,8 +1072,8 @@
         </p:nvSpPr>
         <p:spPr>
           <a:xfrm>
-            <a:off x="549720" y="2769480"/>
-            <a:ext cx="6228000" cy="1910880"/>
+            <a:off x="560520" y="2838960"/>
+            <a:ext cx="6356880" cy="1960200"/>
           </a:xfrm>
           <a:prstGeom prst="rect">
             <a:avLst/>
@@ -1099,8 +1099,8 @@
         </p:nvSpPr>
         <p:spPr>
           <a:xfrm>
-            <a:off x="366120" y="2086200"/>
-            <a:ext cx="3218040" cy="2466000"/>
+            <a:off x="372960" y="2138400"/>
+            <a:ext cx="3284280" cy="2529000"/>
           </a:xfrm>
           <a:prstGeom prst="rect">
             <a:avLst/>
@@ -1125,8 +1125,8 @@
         </p:nvSpPr>
         <p:spPr>
           <a:xfrm>
-            <a:off x="3745440" y="2086200"/>
-            <a:ext cx="3218040" cy="2466000"/>
+            <a:off x="3821760" y="2138400"/>
+            <a:ext cx="3284280" cy="2529000"/>
           </a:xfrm>
           <a:prstGeom prst="rect">
             <a:avLst/>
@@ -1151,8 +1151,8 @@
         </p:nvSpPr>
         <p:spPr>
           <a:xfrm>
-            <a:off x="366120" y="4786920"/>
-            <a:ext cx="6594480" cy="2466000"/>
+            <a:off x="372960" y="4907880"/>
+            <a:ext cx="6730560" cy="2529000"/>
           </a:xfrm>
           <a:prstGeom prst="rect">
             <a:avLst/>
@@ -1206,8 +1206,8 @@
         </p:nvSpPr>
         <p:spPr>
           <a:xfrm>
-            <a:off x="549720" y="2769480"/>
-            <a:ext cx="6228000" cy="1910520"/>
+            <a:off x="560520" y="2838960"/>
+            <a:ext cx="6356880" cy="1959840"/>
           </a:xfrm>
           <a:prstGeom prst="rect">
             <a:avLst/>
@@ -1238,8 +1238,8 @@
         </p:nvSpPr>
         <p:spPr>
           <a:xfrm>
-            <a:off x="366120" y="2086200"/>
-            <a:ext cx="6594480" cy="5170320"/>
+            <a:off x="372960" y="2138400"/>
+            <a:ext cx="6730560" cy="5302440"/>
           </a:xfrm>
           <a:prstGeom prst="rect">
             <a:avLst/>
@@ -1254,7 +1254,7 @@
               <a:buChar char=""/>
             </a:pPr>
             <a:r>
-              <a:rPr lang="en-US" sz="3200">
+              <a:rPr lang="en-US">
                 <a:latin typeface="Arial"/>
               </a:rPr>
               <a:t>Click to edit the outline text format</a:t>
@@ -1268,7 +1268,7 @@
               <a:buChar char=""/>
             </a:pPr>
             <a:r>
-              <a:rPr lang="en-US" sz="2800">
+              <a:rPr lang="en-US">
                 <a:latin typeface="Arial"/>
               </a:rPr>
               <a:t>Second Outline Level</a:t>
@@ -1282,7 +1282,7 @@
               <a:buChar char=""/>
             </a:pPr>
             <a:r>
-              <a:rPr lang="en-US" sz="2400">
+              <a:rPr lang="en-US">
                 <a:latin typeface="Arial"/>
               </a:rPr>
               <a:t>Third Outline Level</a:t>
@@ -1296,7 +1296,7 @@
               <a:buChar char=""/>
             </a:pPr>
             <a:r>
-              <a:rPr lang="en-US" sz="2000">
+              <a:rPr lang="en-US">
                 <a:latin typeface="Arial"/>
               </a:rPr>
               <a:t>Fourth Outline Level</a:t>
@@ -1310,7 +1310,7 @@
               <a:buChar char=""/>
             </a:pPr>
             <a:r>
-              <a:rPr lang="en-US" sz="2000">
+              <a:rPr lang="en-US">
                 <a:latin typeface="Arial"/>
               </a:rPr>
               <a:t>Fifth Outline Level</a:t>
@@ -1324,7 +1324,7 @@
               <a:buChar char=""/>
             </a:pPr>
             <a:r>
-              <a:rPr lang="en-US" sz="2000">
+              <a:rPr lang="en-US">
                 <a:latin typeface="Arial"/>
               </a:rPr>
               <a:t>Sixth Outline Level</a:t>
@@ -1338,7 +1338,7 @@
               <a:buChar char=""/>
             </a:pPr>
             <a:r>
-              <a:rPr lang="en-US" sz="2000">
+              <a:rPr lang="en-US">
                 <a:latin typeface="Arial"/>
               </a:rPr>
               <a:t>Seventh Outline Level</a:t>
@@ -1370,6 +1370,13 @@
 <file path=ppt/slides/slide1.xml><?xml version="1.0" encoding="utf-8"?>
 <p:sld xmlns:a="http://schemas.openxmlformats.org/drawingml/2006/main" xmlns:p="http://schemas.openxmlformats.org/presentationml/2006/main" xmlns:r="http://schemas.openxmlformats.org/officeDocument/2006/relationships">
   <p:cSld>
+    <p:bg>
+      <p:bgPr>
+        <a:solidFill>
+          <a:srgbClr val="ffffff"/>
+        </a:solidFill>
+      </p:bgPr>
+    </p:bg>
     <p:spTree>
       <p:nvGrpSpPr>
         <p:cNvPr id="1" name=""/>
@@ -1392,15 +1399,15 @@
         </p:nvPicPr>
         <p:blipFill>
           <a:blip r:embed="rId1"/>
-          <a:srcRect l="3869" t="6487" r="0" b="0"/>
+          <a:srcRect l="3860" t="6469" r="0" b="0"/>
           <a:stretch>
             <a:fillRect/>
           </a:stretch>
         </p:blipFill>
         <p:spPr>
           <a:xfrm>
-            <a:off x="135720" y="107640"/>
-            <a:ext cx="3828240" cy="1904760"/>
+            <a:off x="72360" y="248400"/>
+            <a:ext cx="3827880" cy="1904400"/>
           </a:xfrm>
           <a:prstGeom prst="rect">
             <a:avLst/>
@@ -1418,15 +1425,15 @@
         </p:nvPicPr>
         <p:blipFill>
           <a:blip r:embed="rId2"/>
-          <a:srcRect l="5137" t="2032" r="0" b="0"/>
+          <a:srcRect l="5128" t="2027" r="0" b="0"/>
           <a:stretch>
             <a:fillRect/>
           </a:stretch>
         </p:blipFill>
         <p:spPr>
           <a:xfrm>
-            <a:off x="267840" y="1785600"/>
-            <a:ext cx="3804480" cy="7106040"/>
+            <a:off x="204480" y="1926360"/>
+            <a:ext cx="3804120" cy="7105680"/>
           </a:xfrm>
           <a:prstGeom prst="rect">
             <a:avLst/>
@@ -1444,8 +1451,8 @@
         </p:nvSpPr>
         <p:spPr>
           <a:xfrm>
-            <a:off x="4653360" y="5049360"/>
-            <a:ext cx="546840" cy="394920"/>
+            <a:off x="4590000" y="5190120"/>
+            <a:ext cx="546480" cy="394560"/>
           </a:xfrm>
           <a:prstGeom prst="rect">
             <a:avLst/>
@@ -1493,8 +1500,8 @@
         </p:nvSpPr>
         <p:spPr>
           <a:xfrm>
-            <a:off x="6737040" y="8172360"/>
-            <a:ext cx="368280" cy="366120"/>
+            <a:off x="6673680" y="8313120"/>
+            <a:ext cx="367920" cy="365760"/>
           </a:xfrm>
           <a:prstGeom prst="rect">
             <a:avLst/>
@@ -1542,7 +1549,7 @@
         </p:nvSpPr>
         <p:spPr>
           <a:xfrm flipV="1">
-            <a:off x="4229280" y="865800"/>
+            <a:off x="4165920" y="1006560"/>
             <a:ext cx="2252880" cy="537480"/>
           </a:xfrm>
           <a:prstGeom prst="line">
@@ -1564,7 +1571,7 @@
         </p:nvSpPr>
         <p:spPr>
           <a:xfrm flipV="1">
-            <a:off x="4229280" y="252360"/>
+            <a:off x="4165920" y="393120"/>
             <a:ext cx="2278080" cy="1728000"/>
           </a:xfrm>
           <a:prstGeom prst="line">
@@ -1586,8 +1593,8 @@
         </p:nvSpPr>
         <p:spPr>
           <a:xfrm>
-            <a:off x="6420960" y="5413680"/>
-            <a:ext cx="758160" cy="332280"/>
+            <a:off x="6357600" y="5554440"/>
+            <a:ext cx="757800" cy="331920"/>
           </a:xfrm>
           <a:prstGeom prst="rect">
             <a:avLst/>
@@ -1644,7 +1651,7 @@
         </p:nvSpPr>
         <p:spPr>
           <a:xfrm>
-            <a:off x="4232160" y="4232520"/>
+            <a:off x="4168800" y="4373280"/>
             <a:ext cx="2275200" cy="297720"/>
           </a:xfrm>
           <a:prstGeom prst="line">
@@ -1655,7 +1662,7 @@
               <a:srgbClr val="00b050"/>
             </a:solidFill>
             <a:custDash>
-              <a:ds d="2809000000" sp="2809000000"/>
+              <a:ds d="53000" sp="53000"/>
             </a:custDash>
             <a:round/>
           </a:ln>
@@ -1669,7 +1676,7 @@
         </p:nvSpPr>
         <p:spPr>
           <a:xfrm flipV="1">
-            <a:off x="4255200" y="3970080"/>
+            <a:off x="4191840" y="4110840"/>
             <a:ext cx="2225160" cy="262440"/>
           </a:xfrm>
           <a:prstGeom prst="line">
@@ -1680,7 +1687,7 @@
               <a:srgbClr val="00b050"/>
             </a:solidFill>
             <a:custDash>
-              <a:ds d="2809000000" sp="2809000000"/>
+              <a:ds d="53000" sp="53000"/>
             </a:custDash>
             <a:round/>
           </a:ln>
@@ -1694,7 +1701,7 @@
         </p:nvSpPr>
         <p:spPr>
           <a:xfrm>
-            <a:off x="3999960" y="2216160"/>
+            <a:off x="3936600" y="2356920"/>
             <a:ext cx="221400" cy="0"/>
           </a:xfrm>
           <a:prstGeom prst="line">
@@ -1705,7 +1712,7 @@
               <a:srgbClr val="00b050"/>
             </a:solidFill>
             <a:custDash>
-              <a:ds d="2809000000" sp="2809000000"/>
+              <a:ds d="53000" sp="53000"/>
             </a:custDash>
             <a:round/>
           </a:ln>
@@ -1719,7 +1726,7 @@
         </p:nvSpPr>
         <p:spPr>
           <a:xfrm>
-            <a:off x="4201560" y="7872480"/>
+            <a:off x="4138200" y="8013240"/>
             <a:ext cx="2278800" cy="0"/>
           </a:xfrm>
           <a:prstGeom prst="line">
@@ -1741,7 +1748,7 @@
         </p:nvSpPr>
         <p:spPr>
           <a:xfrm flipV="1">
-            <a:off x="4210560" y="5292000"/>
+            <a:off x="4147200" y="5432760"/>
             <a:ext cx="2256480" cy="880200"/>
           </a:xfrm>
           <a:prstGeom prst="line">
@@ -1763,7 +1770,7 @@
         </p:nvSpPr>
         <p:spPr>
           <a:xfrm>
-            <a:off x="4210560" y="6172200"/>
+            <a:off x="4147200" y="6312960"/>
             <a:ext cx="2269800" cy="960480"/>
           </a:xfrm>
           <a:prstGeom prst="line">
@@ -1785,8 +1792,8 @@
         </p:nvSpPr>
         <p:spPr>
           <a:xfrm>
-            <a:off x="6458760" y="6961680"/>
-            <a:ext cx="672840" cy="332280"/>
+            <a:off x="6395400" y="7102440"/>
+            <a:ext cx="672480" cy="331920"/>
           </a:xfrm>
           <a:prstGeom prst="rect">
             <a:avLst/>
@@ -1843,8 +1850,8 @@
         </p:nvSpPr>
         <p:spPr>
           <a:xfrm>
-            <a:off x="6489360" y="7697160"/>
-            <a:ext cx="608760" cy="332280"/>
+            <a:off x="6426000" y="7837920"/>
+            <a:ext cx="608400" cy="331920"/>
           </a:xfrm>
           <a:prstGeom prst="rect">
             <a:avLst/>
@@ -1901,7 +1908,7 @@
         </p:nvSpPr>
         <p:spPr>
           <a:xfrm>
-            <a:off x="3999960" y="2936520"/>
+            <a:off x="3936600" y="3077280"/>
             <a:ext cx="221400" cy="0"/>
           </a:xfrm>
           <a:prstGeom prst="line">
@@ -1912,7 +1919,7 @@
               <a:srgbClr val="00b050"/>
             </a:solidFill>
             <a:custDash>
-              <a:ds d="2809000000" sp="2809000000"/>
+              <a:ds d="53000" sp="53000"/>
             </a:custDash>
             <a:round/>
           </a:ln>
@@ -1926,7 +1933,7 @@
         </p:nvSpPr>
         <p:spPr>
           <a:xfrm>
-            <a:off x="4210560" y="1987560"/>
+            <a:off x="4147200" y="2128320"/>
             <a:ext cx="2271600" cy="1728000"/>
           </a:xfrm>
           <a:prstGeom prst="line">
@@ -1948,7 +1955,7 @@
         </p:nvSpPr>
         <p:spPr>
           <a:xfrm>
-            <a:off x="4237920" y="1415880"/>
+            <a:off x="4174560" y="1556640"/>
             <a:ext cx="2242080" cy="520920"/>
           </a:xfrm>
           <a:prstGeom prst="line">
@@ -1970,7 +1977,7 @@
         </p:nvSpPr>
         <p:spPr>
           <a:xfrm flipV="1">
-            <a:off x="4210560" y="1403280"/>
+            <a:off x="4147200" y="1544040"/>
             <a:ext cx="2296800" cy="812880"/>
           </a:xfrm>
           <a:prstGeom prst="line">
@@ -1981,7 +1988,7 @@
               <a:srgbClr val="00b050"/>
             </a:solidFill>
             <a:custDash>
-              <a:ds d="2809000000" sp="2809000000"/>
+              <a:ds d="53000" sp="53000"/>
             </a:custDash>
             <a:round/>
           </a:ln>
@@ -1995,7 +2002,7 @@
         </p:nvSpPr>
         <p:spPr>
           <a:xfrm>
-            <a:off x="4255200" y="2221560"/>
+            <a:off x="4191840" y="2362320"/>
             <a:ext cx="2232360" cy="794880"/>
           </a:xfrm>
           <a:prstGeom prst="line">
@@ -2006,7 +2013,7 @@
               <a:srgbClr val="00b050"/>
             </a:solidFill>
             <a:custDash>
-              <a:ds d="2809000000" sp="2809000000"/>
+              <a:ds d="53000" sp="53000"/>
             </a:custDash>
             <a:round/>
           </a:ln>
@@ -2020,7 +2027,7 @@
         </p:nvSpPr>
         <p:spPr>
           <a:xfrm>
-            <a:off x="4010400" y="3354120"/>
+            <a:off x="3947040" y="3494880"/>
             <a:ext cx="210600" cy="0"/>
           </a:xfrm>
           <a:prstGeom prst="line">
@@ -2042,7 +2049,7 @@
         </p:nvSpPr>
         <p:spPr>
           <a:xfrm>
-            <a:off x="4005360" y="1987560"/>
+            <a:off x="3942000" y="2128320"/>
             <a:ext cx="210600" cy="0"/>
           </a:xfrm>
           <a:prstGeom prst="line">
@@ -2064,7 +2071,7 @@
         </p:nvSpPr>
         <p:spPr>
           <a:xfrm>
-            <a:off x="4015440" y="1403280"/>
+            <a:off x="3952080" y="1544040"/>
             <a:ext cx="210600" cy="0"/>
           </a:xfrm>
           <a:prstGeom prst="line">
@@ -2086,7 +2093,7 @@
         </p:nvSpPr>
         <p:spPr>
           <a:xfrm>
-            <a:off x="4010400" y="4234320"/>
+            <a:off x="3947040" y="4375080"/>
             <a:ext cx="221760" cy="0"/>
           </a:xfrm>
           <a:prstGeom prst="line">
@@ -2097,7 +2104,7 @@
               <a:srgbClr val="00b050"/>
             </a:solidFill>
             <a:custDash>
-              <a:ds d="2809000000" sp="2809000000"/>
+              <a:ds d="53000" sp="53000"/>
             </a:custDash>
             <a:round/>
           </a:ln>
@@ -2111,7 +2118,7 @@
         </p:nvSpPr>
         <p:spPr>
           <a:xfrm>
-            <a:off x="4001400" y="6171480"/>
+            <a:off x="3938040" y="6312240"/>
             <a:ext cx="210600" cy="0"/>
           </a:xfrm>
           <a:prstGeom prst="line">
@@ -2133,7 +2140,7 @@
         </p:nvSpPr>
         <p:spPr>
           <a:xfrm>
-            <a:off x="3996720" y="7872840"/>
+            <a:off x="3933360" y="8013600"/>
             <a:ext cx="210240" cy="0"/>
           </a:xfrm>
           <a:prstGeom prst="line">
@@ -2155,7 +2162,7 @@
         </p:nvSpPr>
         <p:spPr>
           <a:xfrm flipV="1">
-            <a:off x="4237920" y="1680120"/>
+            <a:off x="4174560" y="1820880"/>
             <a:ext cx="2269440" cy="1256400"/>
           </a:xfrm>
           <a:prstGeom prst="line">
@@ -2166,7 +2173,7 @@
               <a:srgbClr val="00b050"/>
             </a:solidFill>
             <a:custDash>
-              <a:ds d="2809000000" sp="2809000000"/>
+              <a:ds d="53000" sp="53000"/>
             </a:custDash>
             <a:round/>
           </a:ln>
@@ -2180,7 +2187,7 @@
         </p:nvSpPr>
         <p:spPr>
           <a:xfrm>
-            <a:off x="4237920" y="2936520"/>
+            <a:off x="4174560" y="3077280"/>
             <a:ext cx="2242080" cy="1164600"/>
           </a:xfrm>
           <a:prstGeom prst="line">
@@ -2191,7 +2198,7 @@
               <a:srgbClr val="00b050"/>
             </a:solidFill>
             <a:custDash>
-              <a:ds d="2809000000" sp="2809000000"/>
+              <a:ds d="53000" sp="53000"/>
             </a:custDash>
             <a:round/>
           </a:ln>
@@ -2205,8 +2212,8 @@
         </p:nvSpPr>
         <p:spPr>
           <a:xfrm>
-            <a:off x="6281280" y="63720"/>
-            <a:ext cx="1279440" cy="332280"/>
+            <a:off x="6217920" y="204480"/>
+            <a:ext cx="1279080" cy="331920"/>
           </a:xfrm>
           <a:prstGeom prst="rect">
             <a:avLst/>
@@ -2263,8 +2270,8 @@
         </p:nvSpPr>
         <p:spPr>
           <a:xfrm>
-            <a:off x="6306480" y="1753560"/>
-            <a:ext cx="1194120" cy="332280"/>
+            <a:off x="6243120" y="1894320"/>
+            <a:ext cx="1193760" cy="331920"/>
           </a:xfrm>
           <a:prstGeom prst="rect">
             <a:avLst/>
@@ -2321,8 +2328,8 @@
         </p:nvSpPr>
         <p:spPr>
           <a:xfrm>
-            <a:off x="6311160" y="2634120"/>
-            <a:ext cx="1130040" cy="332280"/>
+            <a:off x="6247800" y="2774880"/>
+            <a:ext cx="1129680" cy="331920"/>
           </a:xfrm>
           <a:prstGeom prst="rect">
             <a:avLst/>
@@ -2379,8 +2386,8 @@
         </p:nvSpPr>
         <p:spPr>
           <a:xfrm>
-            <a:off x="6331320" y="3514320"/>
-            <a:ext cx="1108800" cy="332280"/>
+            <a:off x="6267960" y="3655080"/>
+            <a:ext cx="1108440" cy="331920"/>
           </a:xfrm>
           <a:prstGeom prst="rect">
             <a:avLst/>
@@ -2437,8 +2444,8 @@
         </p:nvSpPr>
         <p:spPr>
           <a:xfrm>
-            <a:off x="6306480" y="666000"/>
-            <a:ext cx="1194120" cy="332280"/>
+            <a:off x="6243120" y="806760"/>
+            <a:ext cx="1193760" cy="331920"/>
           </a:xfrm>
           <a:prstGeom prst="rect">
             <a:avLst/>
@@ -2495,8 +2502,8 @@
         </p:nvSpPr>
         <p:spPr>
           <a:xfrm>
-            <a:off x="6336360" y="3754440"/>
-            <a:ext cx="1044720" cy="332280"/>
+            <a:off x="6273000" y="3895200"/>
+            <a:ext cx="1044360" cy="331920"/>
           </a:xfrm>
           <a:prstGeom prst="rect">
             <a:avLst/>
@@ -2553,7 +2560,7 @@
         </p:nvSpPr>
         <p:spPr>
           <a:xfrm>
-            <a:off x="4238640" y="3354120"/>
+            <a:off x="4175280" y="3494880"/>
             <a:ext cx="2281680" cy="536040"/>
           </a:xfrm>
           <a:prstGeom prst="line">
@@ -2575,7 +2582,7 @@
         </p:nvSpPr>
         <p:spPr>
           <a:xfrm flipV="1">
-            <a:off x="4219920" y="2856240"/>
+            <a:off x="4156560" y="2997000"/>
             <a:ext cx="2262240" cy="497880"/>
           </a:xfrm>
           <a:prstGeom prst="line">
@@ -2597,8 +2604,8 @@
         </p:nvSpPr>
         <p:spPr>
           <a:xfrm>
-            <a:off x="6306480" y="2874240"/>
-            <a:ext cx="1194120" cy="332280"/>
+            <a:off x="6243120" y="3015000"/>
+            <a:ext cx="1193760" cy="331920"/>
           </a:xfrm>
           <a:prstGeom prst="rect">
             <a:avLst/>
@@ -2655,8 +2662,8 @@
         </p:nvSpPr>
         <p:spPr>
           <a:xfrm>
-            <a:off x="5161680" y="962280"/>
-            <a:ext cx="353880" cy="344520"/>
+            <a:off x="5098320" y="1103040"/>
+            <a:ext cx="353520" cy="344160"/>
           </a:xfrm>
           <a:prstGeom prst="ellipse">
             <a:avLst/>
@@ -2667,7 +2674,7 @@
               <a:srgbClr val="ff0000"/>
             </a:solidFill>
             <a:custDash>
-              <a:ds d="8427000000" sp="2809000000"/>
+              <a:ds d="53000" sp="53000"/>
             </a:custDash>
             <a:round/>
           </a:ln>
@@ -2681,8 +2688,8 @@
         </p:nvSpPr>
         <p:spPr>
           <a:xfrm>
-            <a:off x="4547520" y="2234520"/>
-            <a:ext cx="353880" cy="344520"/>
+            <a:off x="4484160" y="2375280"/>
+            <a:ext cx="353520" cy="344160"/>
           </a:xfrm>
           <a:prstGeom prst="ellipse">
             <a:avLst/>
@@ -2693,7 +2700,7 @@
               <a:srgbClr val="ff0000"/>
             </a:solidFill>
             <a:custDash>
-              <a:ds d="8427000000" sp="2809000000"/>
+              <a:ds d="53000" sp="53000"/>
             </a:custDash>
             <a:round/>
           </a:ln>
@@ -2707,8 +2714,8 @@
         </p:nvSpPr>
         <p:spPr>
           <a:xfrm>
-            <a:off x="4092480" y="3181680"/>
-            <a:ext cx="353880" cy="344520"/>
+            <a:off x="4029120" y="3322440"/>
+            <a:ext cx="353520" cy="344160"/>
           </a:xfrm>
           <a:prstGeom prst="ellipse">
             <a:avLst/>
@@ -2719,7 +2726,7 @@
               <a:srgbClr val="ff0000"/>
             </a:solidFill>
             <a:custDash>
-              <a:ds d="8427000000" sp="2809000000"/>
+              <a:ds d="53000" sp="53000"/>
             </a:custDash>
             <a:round/>
           </a:ln>
@@ -2733,8 +2740,8 @@
         </p:nvSpPr>
         <p:spPr>
           <a:xfrm>
-            <a:off x="6055200" y="2755080"/>
-            <a:ext cx="353880" cy="344520"/>
+            <a:off x="5991840" y="2895840"/>
+            <a:ext cx="353520" cy="344160"/>
           </a:xfrm>
           <a:prstGeom prst="ellipse">
             <a:avLst/>
@@ -2745,7 +2752,7 @@
               <a:srgbClr val="ff0000"/>
             </a:solidFill>
             <a:custDash>
-              <a:ds d="8427000000" sp="2809000000"/>
+              <a:ds d="53000" sp="53000"/>
             </a:custDash>
             <a:round/>
           </a:ln>
@@ -2759,8 +2766,8 @@
         </p:nvSpPr>
         <p:spPr>
           <a:xfrm>
-            <a:off x="6306480" y="1204200"/>
-            <a:ext cx="1194120" cy="332280"/>
+            <a:off x="6243120" y="1344960"/>
+            <a:ext cx="1193760" cy="331920"/>
           </a:xfrm>
           <a:prstGeom prst="rect">
             <a:avLst/>
@@ -2817,8 +2824,8 @@
         </p:nvSpPr>
         <p:spPr>
           <a:xfrm>
-            <a:off x="6281280" y="1491480"/>
-            <a:ext cx="1279440" cy="332280"/>
+            <a:off x="6217920" y="1632240"/>
+            <a:ext cx="1279080" cy="331920"/>
           </a:xfrm>
           <a:prstGeom prst="rect">
             <a:avLst/>
@@ -2875,8 +2882,8 @@
         </p:nvSpPr>
         <p:spPr>
           <a:xfrm>
-            <a:off x="6331320" y="3972600"/>
-            <a:ext cx="1108800" cy="332280"/>
+            <a:off x="6267960" y="4113360"/>
+            <a:ext cx="1108440" cy="331920"/>
           </a:xfrm>
           <a:prstGeom prst="rect">
             <a:avLst/>
@@ -2933,8 +2940,8 @@
         </p:nvSpPr>
         <p:spPr>
           <a:xfrm flipH="1">
-            <a:off x="5151960" y="3164760"/>
-            <a:ext cx="8280" cy="4679640"/>
+            <a:off x="5088600" y="3305520"/>
+            <a:ext cx="7920" cy="4679280"/>
           </a:xfrm>
           <a:prstGeom prst="straightConnector1">
             <a:avLst/>
@@ -2957,8 +2964,8 @@
         </p:nvSpPr>
         <p:spPr>
           <a:xfrm flipH="1">
-            <a:off x="5304600" y="3683520"/>
-            <a:ext cx="360" cy="4160880"/>
+            <a:off x="5240520" y="3824280"/>
+            <a:ext cx="360" cy="4160520"/>
           </a:xfrm>
           <a:prstGeom prst="straightConnector1">
             <a:avLst/>
@@ -2981,8 +2988,8 @@
         </p:nvSpPr>
         <p:spPr>
           <a:xfrm>
-            <a:off x="5302080" y="5046480"/>
-            <a:ext cx="424800" cy="394920"/>
+            <a:off x="5238720" y="5187240"/>
+            <a:ext cx="424440" cy="394560"/>
           </a:xfrm>
           <a:prstGeom prst="rect">
             <a:avLst/>
@@ -3030,8 +3037,8 @@
         </p:nvSpPr>
         <p:spPr>
           <a:xfrm>
-            <a:off x="1966320" y="4730760"/>
-            <a:ext cx="353880" cy="344520"/>
+            <a:off x="1902960" y="4871520"/>
+            <a:ext cx="353520" cy="344160"/>
           </a:xfrm>
           <a:prstGeom prst="ellipse">
             <a:avLst/>
@@ -3053,8 +3060,8 @@
         </p:nvSpPr>
         <p:spPr>
           <a:xfrm>
-            <a:off x="2038320" y="2843640"/>
-            <a:ext cx="353880" cy="344520"/>
+            <a:off x="1974960" y="2984400"/>
+            <a:ext cx="353520" cy="344160"/>
           </a:xfrm>
           <a:prstGeom prst="ellipse">
             <a:avLst/>
@@ -3076,8 +3083,8 @@
         </p:nvSpPr>
         <p:spPr>
           <a:xfrm>
-            <a:off x="2038320" y="6660360"/>
-            <a:ext cx="353880" cy="344520"/>
+            <a:off x="1974960" y="6801120"/>
+            <a:ext cx="353520" cy="344160"/>
           </a:xfrm>
           <a:prstGeom prst="ellipse">
             <a:avLst/>
@@ -3099,8 +3106,8 @@
         </p:nvSpPr>
         <p:spPr>
           <a:xfrm>
-            <a:off x="1469880" y="4140000"/>
-            <a:ext cx="353880" cy="344520"/>
+            <a:off x="1406520" y="4280760"/>
+            <a:ext cx="353520" cy="344160"/>
           </a:xfrm>
           <a:prstGeom prst="ellipse">
             <a:avLst/>
@@ -3122,8 +3129,8 @@
         </p:nvSpPr>
         <p:spPr>
           <a:xfrm>
-            <a:off x="4378320" y="2843640"/>
-            <a:ext cx="495000" cy="333360"/>
+            <a:off x="4314960" y="2984400"/>
+            <a:ext cx="494640" cy="333000"/>
           </a:xfrm>
           <a:prstGeom prst="rect">
             <a:avLst/>
@@ -3164,8 +3171,8 @@
         </p:nvSpPr>
         <p:spPr>
           <a:xfrm>
-            <a:off x="5157000" y="611640"/>
-            <a:ext cx="569520" cy="333360"/>
+            <a:off x="5093640" y="752400"/>
+            <a:ext cx="569160" cy="333000"/>
           </a:xfrm>
           <a:prstGeom prst="rect">
             <a:avLst/>
@@ -3204,8 +3211,8 @@
         </p:nvSpPr>
         <p:spPr>
           <a:xfrm>
-            <a:off x="4740840" y="1944720"/>
-            <a:ext cx="416880" cy="333360"/>
+            <a:off x="4677480" y="2085480"/>
+            <a:ext cx="416520" cy="333000"/>
           </a:xfrm>
           <a:prstGeom prst="rect">
             <a:avLst/>
@@ -3244,8 +3251,8 @@
         </p:nvSpPr>
         <p:spPr>
           <a:xfrm>
-            <a:off x="6032160" y="2339640"/>
-            <a:ext cx="416880" cy="333360"/>
+            <a:off x="5968800" y="2480400"/>
+            <a:ext cx="416520" cy="333000"/>
           </a:xfrm>
           <a:prstGeom prst="rect">
             <a:avLst/>
@@ -3284,8 +3291,8 @@
         </p:nvSpPr>
         <p:spPr>
           <a:xfrm>
-            <a:off x="3125880" y="1713960"/>
-            <a:ext cx="502200" cy="455760"/>
+            <a:off x="3062520" y="1854720"/>
+            <a:ext cx="501840" cy="455400"/>
           </a:xfrm>
           <a:prstGeom prst="rect">
             <a:avLst/>
@@ -3333,8 +3340,8 @@
         </p:nvSpPr>
         <p:spPr>
           <a:xfrm>
-            <a:off x="4059720" y="8193960"/>
-            <a:ext cx="282960" cy="333360"/>
+            <a:off x="3996360" y="8334720"/>
+            <a:ext cx="282600" cy="333000"/>
           </a:xfrm>
           <a:prstGeom prst="rect">
             <a:avLst/>
@@ -3373,8 +3380,8 @@
         </p:nvSpPr>
         <p:spPr>
           <a:xfrm>
-            <a:off x="2416320" y="4428000"/>
-            <a:ext cx="416880" cy="333360"/>
+            <a:off x="2352960" y="4568760"/>
+            <a:ext cx="416520" cy="333000"/>
           </a:xfrm>
           <a:prstGeom prst="rect">
             <a:avLst/>
@@ -3413,8 +3420,8 @@
         </p:nvSpPr>
         <p:spPr>
           <a:xfrm>
-            <a:off x="2331360" y="2619720"/>
-            <a:ext cx="416880" cy="333360"/>
+            <a:off x="2268000" y="2760480"/>
+            <a:ext cx="416520" cy="333000"/>
           </a:xfrm>
           <a:prstGeom prst="rect">
             <a:avLst/>
@@ -3453,8 +3460,8 @@
         </p:nvSpPr>
         <p:spPr>
           <a:xfrm>
-            <a:off x="1611360" y="6681600"/>
-            <a:ext cx="416880" cy="333360"/>
+            <a:off x="1548000" y="6822360"/>
+            <a:ext cx="416520" cy="333000"/>
           </a:xfrm>
           <a:prstGeom prst="rect">
             <a:avLst/>
@@ -3493,8 +3500,8 @@
         </p:nvSpPr>
         <p:spPr>
           <a:xfrm>
-            <a:off x="1041480" y="4140000"/>
-            <a:ext cx="416880" cy="333360"/>
+            <a:off x="978120" y="4280760"/>
+            <a:ext cx="416520" cy="333000"/>
           </a:xfrm>
           <a:prstGeom prst="rect">
             <a:avLst/>
@@ -3533,8 +3540,8 @@
         </p:nvSpPr>
         <p:spPr>
           <a:xfrm>
-            <a:off x="437400" y="6346800"/>
-            <a:ext cx="103680" cy="168480"/>
+            <a:off x="374040" y="6487560"/>
+            <a:ext cx="103320" cy="168120"/>
           </a:xfrm>
           <a:prstGeom prst="rect">
             <a:avLst/>
@@ -3558,8 +3565,8 @@
         </p:nvSpPr>
         <p:spPr>
           <a:xfrm>
-            <a:off x="355680" y="7760160"/>
-            <a:ext cx="103680" cy="168480"/>
+            <a:off x="292320" y="7900920"/>
+            <a:ext cx="103320" cy="168120"/>
           </a:xfrm>
           <a:prstGeom prst="rect">
             <a:avLst/>
@@ -3583,7 +3590,7 @@
         </p:nvSpPr>
         <p:spPr>
           <a:xfrm flipV="1">
-            <a:off x="4185720" y="5316480"/>
+            <a:off x="4122360" y="5457240"/>
             <a:ext cx="15840" cy="2927880"/>
           </a:xfrm>
           <a:prstGeom prst="line">
@@ -3605,8 +3612,8 @@
         </p:nvSpPr>
         <p:spPr>
           <a:xfrm>
-            <a:off x="4082040" y="5283360"/>
-            <a:ext cx="226080" cy="160920"/>
+            <a:off x="4018680" y="5424120"/>
+            <a:ext cx="225720" cy="160560"/>
           </a:xfrm>
           <a:prstGeom prst="rect">
             <a:avLst/>
@@ -3628,8 +3635,8 @@
         </p:nvSpPr>
         <p:spPr>
           <a:xfrm>
-            <a:off x="4082040" y="5148000"/>
-            <a:ext cx="226080" cy="160920"/>
+            <a:off x="4018680" y="5288760"/>
+            <a:ext cx="225720" cy="160560"/>
           </a:xfrm>
           <a:prstGeom prst="rect">
             <a:avLst/>
@@ -3651,8 +3658,8 @@
         </p:nvSpPr>
         <p:spPr>
           <a:xfrm>
-            <a:off x="1001160" y="7644960"/>
-            <a:ext cx="631800" cy="455760"/>
+            <a:off x="937800" y="7785720"/>
+            <a:ext cx="631440" cy="455400"/>
           </a:xfrm>
           <a:prstGeom prst="rect">
             <a:avLst/>
@@ -3700,8 +3707,8 @@
         </p:nvSpPr>
         <p:spPr>
           <a:xfrm>
-            <a:off x="4278600" y="200880"/>
-            <a:ext cx="304200" cy="333360"/>
+            <a:off x="4215240" y="341640"/>
+            <a:ext cx="303840" cy="333000"/>
           </a:xfrm>
           <a:prstGeom prst="rect">
             <a:avLst/>
@@ -3740,8 +3747,8 @@
         </p:nvSpPr>
         <p:spPr>
           <a:xfrm flipH="1">
-            <a:off x="4081320" y="6172560"/>
-            <a:ext cx="9360" cy="1695240"/>
+            <a:off x="4017240" y="6313320"/>
+            <a:ext cx="9000" cy="1694880"/>
           </a:xfrm>
           <a:prstGeom prst="straightConnector1">
             <a:avLst/>
@@ -3765,8 +3772,8 @@
         </p:nvSpPr>
         <p:spPr>
           <a:xfrm>
-            <a:off x="4119840" y="6859080"/>
-            <a:ext cx="386280" cy="366120"/>
+            <a:off x="4056480" y="6999840"/>
+            <a:ext cx="385920" cy="365760"/>
           </a:xfrm>
           <a:prstGeom prst="rect">
             <a:avLst/>
@@ -3816,7 +3823,7 @@
         </p:nvSpPr>
         <p:spPr>
           <a:xfrm>
-            <a:off x="4081680" y="8183520"/>
+            <a:off x="4018320" y="8324280"/>
             <a:ext cx="2839680" cy="0"/>
           </a:xfrm>
           <a:prstGeom prst="line">
@@ -3839,8 +3846,8 @@
         </p:nvSpPr>
         <p:spPr>
           <a:xfrm>
-            <a:off x="3775320" y="720"/>
-            <a:ext cx="505440" cy="424440"/>
+            <a:off x="3711960" y="141480"/>
+            <a:ext cx="505080" cy="424080"/>
           </a:xfrm>
           <a:prstGeom prst="rect">
             <a:avLst/>
@@ -3879,7 +3886,7 @@
         </p:nvSpPr>
         <p:spPr>
           <a:xfrm flipV="1">
-            <a:off x="4200480" y="323280"/>
+            <a:off x="4137120" y="464040"/>
             <a:ext cx="31680" cy="4883760"/>
           </a:xfrm>
           <a:prstGeom prst="line">
@@ -3902,8 +3909,8 @@
         </p:nvSpPr>
         <p:spPr>
           <a:xfrm>
-            <a:off x="38520" y="-57600"/>
-            <a:ext cx="489960" cy="425160"/>
+            <a:off x="-24840" y="83160"/>
+            <a:ext cx="489600" cy="424800"/>
           </a:xfrm>
           <a:prstGeom prst="rect">
             <a:avLst/>
